--- a/Predictive Modelling For Cab Rides.pptx
+++ b/Predictive Modelling For Cab Rides.pptx
@@ -5,7 +5,7 @@
     <p:sldMasterId id="2147483648" r:id="rId1"/>
   </p:sldMasterIdLst>
   <p:notesMasterIdLst>
-    <p:notesMasterId r:id="rId18"/>
+    <p:notesMasterId r:id="rId19"/>
   </p:notesMasterIdLst>
   <p:sldIdLst>
     <p:sldId id="256" r:id="rId2"/>
@@ -23,7 +23,8 @@
     <p:sldId id="269" r:id="rId14"/>
     <p:sldId id="270" r:id="rId15"/>
     <p:sldId id="271" r:id="rId16"/>
-    <p:sldId id="272" r:id="rId17"/>
+    <p:sldId id="273" r:id="rId17"/>
+    <p:sldId id="272" r:id="rId18"/>
   </p:sldIdLst>
   <p:sldSz cx="12192000" cy="6858000"/>
   <p:notesSz cx="6858000" cy="9144000"/>
@@ -1103,7 +1104,7 @@
           <a:p>
             <a:fld id="{0F3A962B-D4DF-40AF-9567-20512C8BE2E4}" type="datetimeFigureOut">
               <a:rPr lang="en-IN" smtClean="0"/>
-              <a:t>14-12-2018</a:t>
+              <a:t>15-12-2018</a:t>
             </a:fld>
             <a:endParaRPr lang="en-IN"/>
           </a:p>
@@ -2191,7 +2192,7 @@
             <a:fld id="{B61BEF0D-F0BB-DE4B-95CE-6DB70DBA9567}" type="datetimeFigureOut">
               <a:rPr lang="en-US" dirty="0"/>
               <a:pPr/>
-              <a:t>12/14/2018</a:t>
+              <a:t>12/15/2018</a:t>
             </a:fld>
             <a:endParaRPr lang="en-US" dirty="0"/>
           </a:p>
@@ -2439,7 +2440,7 @@
             <a:fld id="{B61BEF0D-F0BB-DE4B-95CE-6DB70DBA9567}" type="datetimeFigureOut">
               <a:rPr lang="en-US" dirty="0"/>
               <a:pPr/>
-              <a:t>12/14/2018</a:t>
+              <a:t>12/15/2018</a:t>
             </a:fld>
             <a:endParaRPr lang="en-US" dirty="0"/>
           </a:p>
@@ -2750,7 +2751,7 @@
             <a:fld id="{B61BEF0D-F0BB-DE4B-95CE-6DB70DBA9567}" type="datetimeFigureOut">
               <a:rPr lang="en-US" dirty="0"/>
               <a:pPr/>
-              <a:t>12/14/2018</a:t>
+              <a:t>12/15/2018</a:t>
             </a:fld>
             <a:endParaRPr lang="en-US" dirty="0"/>
           </a:p>
@@ -3088,7 +3089,7 @@
             <a:fld id="{B61BEF0D-F0BB-DE4B-95CE-6DB70DBA9567}" type="datetimeFigureOut">
               <a:rPr lang="en-US" dirty="0"/>
               <a:pPr/>
-              <a:t>12/14/2018</a:t>
+              <a:t>12/15/2018</a:t>
             </a:fld>
             <a:endParaRPr lang="en-US" dirty="0"/>
           </a:p>
@@ -3399,7 +3400,7 @@
             <a:fld id="{B61BEF0D-F0BB-DE4B-95CE-6DB70DBA9567}" type="datetimeFigureOut">
               <a:rPr lang="en-US" dirty="0"/>
               <a:pPr/>
-              <a:t>12/14/2018</a:t>
+              <a:t>12/15/2018</a:t>
             </a:fld>
             <a:endParaRPr lang="en-US" dirty="0"/>
           </a:p>
@@ -3789,7 +3790,7 @@
             <a:fld id="{B61BEF0D-F0BB-DE4B-95CE-6DB70DBA9567}" type="datetimeFigureOut">
               <a:rPr lang="en-US" dirty="0"/>
               <a:pPr/>
-              <a:t>12/14/2018</a:t>
+              <a:t>12/15/2018</a:t>
             </a:fld>
             <a:endParaRPr lang="en-US" dirty="0"/>
           </a:p>
@@ -3955,7 +3956,7 @@
           <a:p>
             <a:fld id="{55C6B4A9-1611-4792-9094-5F34BCA07E0B}" type="datetimeFigureOut">
               <a:rPr lang="en-US" dirty="0"/>
-              <a:t>12/14/2018</a:t>
+              <a:t>12/15/2018</a:t>
             </a:fld>
             <a:endParaRPr lang="en-US" dirty="0"/>
           </a:p>
@@ -4131,7 +4132,7 @@
             <a:fld id="{B61BEF0D-F0BB-DE4B-95CE-6DB70DBA9567}" type="datetimeFigureOut">
               <a:rPr lang="en-US" dirty="0"/>
               <a:pPr/>
-              <a:t>12/14/2018</a:t>
+              <a:t>12/15/2018</a:t>
             </a:fld>
             <a:endParaRPr lang="en-US" dirty="0"/>
           </a:p>
@@ -4304,7 +4305,7 @@
             <a:fld id="{B61BEF0D-F0BB-DE4B-95CE-6DB70DBA9567}" type="datetimeFigureOut">
               <a:rPr lang="en-US" dirty="0"/>
               <a:pPr/>
-              <a:t>12/14/2018</a:t>
+              <a:t>12/15/2018</a:t>
             </a:fld>
             <a:endParaRPr lang="en-US" dirty="0"/>
           </a:p>
@@ -4548,7 +4549,7 @@
             <a:fld id="{B61BEF0D-F0BB-DE4B-95CE-6DB70DBA9567}" type="datetimeFigureOut">
               <a:rPr lang="en-US" dirty="0"/>
               <a:pPr/>
-              <a:t>12/14/2018</a:t>
+              <a:t>12/15/2018</a:t>
             </a:fld>
             <a:endParaRPr lang="en-US" dirty="0"/>
           </a:p>
@@ -4776,7 +4777,7 @@
           <a:p>
             <a:fld id="{EB712588-04B1-427B-82EE-E8DB90309F08}" type="datetimeFigureOut">
               <a:rPr lang="en-US" dirty="0"/>
-              <a:t>12/14/2018</a:t>
+              <a:t>12/15/2018</a:t>
             </a:fld>
             <a:endParaRPr lang="en-US" dirty="0"/>
           </a:p>
@@ -5146,7 +5147,7 @@
             <a:fld id="{B61BEF0D-F0BB-DE4B-95CE-6DB70DBA9567}" type="datetimeFigureOut">
               <a:rPr lang="en-US" dirty="0"/>
               <a:pPr/>
-              <a:t>12/14/2018</a:t>
+              <a:t>12/15/2018</a:t>
             </a:fld>
             <a:endParaRPr lang="en-US" dirty="0"/>
           </a:p>
@@ -5266,7 +5267,7 @@
             <a:fld id="{B61BEF0D-F0BB-DE4B-95CE-6DB70DBA9567}" type="datetimeFigureOut">
               <a:rPr lang="en-US" dirty="0"/>
               <a:pPr/>
-              <a:t>12/14/2018</a:t>
+              <a:t>12/15/2018</a:t>
             </a:fld>
             <a:endParaRPr lang="en-US" dirty="0"/>
           </a:p>
@@ -5358,7 +5359,7 @@
             <a:fld id="{B61BEF0D-F0BB-DE4B-95CE-6DB70DBA9567}" type="datetimeFigureOut">
               <a:rPr lang="en-US" dirty="0"/>
               <a:pPr/>
-              <a:t>12/14/2018</a:t>
+              <a:t>12/15/2018</a:t>
             </a:fld>
             <a:endParaRPr lang="en-US" dirty="0"/>
           </a:p>
@@ -5609,7 +5610,7 @@
           <a:p>
             <a:fld id="{42A54C80-263E-416B-A8E0-580EDEADCBDC}" type="datetimeFigureOut">
               <a:rPr lang="en-US" dirty="0"/>
-              <a:t>12/14/2018</a:t>
+              <a:t>12/15/2018</a:t>
             </a:fld>
             <a:endParaRPr lang="en-US" dirty="0"/>
           </a:p>
@@ -5868,7 +5869,7 @@
             <a:fld id="{B61BEF0D-F0BB-DE4B-95CE-6DB70DBA9567}" type="datetimeFigureOut">
               <a:rPr lang="en-US" dirty="0"/>
               <a:pPr/>
-              <a:t>12/14/2018</a:t>
+              <a:t>12/15/2018</a:t>
             </a:fld>
             <a:endParaRPr lang="en-US" dirty="0"/>
           </a:p>
@@ -6608,7 +6609,7 @@
             <a:fld id="{B61BEF0D-F0BB-DE4B-95CE-6DB70DBA9567}" type="datetimeFigureOut">
               <a:rPr lang="en-US" dirty="0"/>
               <a:pPr/>
-              <a:t>12/14/2018</a:t>
+              <a:t>12/15/2018</a:t>
             </a:fld>
             <a:endParaRPr lang="en-US" dirty="0"/>
           </a:p>
@@ -7937,6 +7938,128 @@
 </file>
 
 <file path=ppt/slides/slide16.xml><?xml version="1.0" encoding="utf-8"?>
+<p:sld xmlns:a="http://schemas.openxmlformats.org/drawingml/2006/main" xmlns:r="http://schemas.openxmlformats.org/officeDocument/2006/relationships" xmlns:p="http://schemas.openxmlformats.org/presentationml/2006/main">
+  <p:cSld>
+    <p:spTree>
+      <p:nvGrpSpPr>
+        <p:cNvPr id="1" name=""/>
+        <p:cNvGrpSpPr/>
+        <p:nvPr/>
+      </p:nvGrpSpPr>
+      <p:grpSpPr>
+        <a:xfrm>
+          <a:off x="0" y="0"/>
+          <a:ext cx="0" cy="0"/>
+          <a:chOff x="0" y="0"/>
+          <a:chExt cx="0" cy="0"/>
+        </a:xfrm>
+      </p:grpSpPr>
+      <p:sp>
+        <p:nvSpPr>
+          <p:cNvPr id="2" name="Title 1">
+            <a:extLst>
+              <a:ext uri="{FF2B5EF4-FFF2-40B4-BE49-F238E27FC236}">
+                <a16:creationId xmlns:a16="http://schemas.microsoft.com/office/drawing/2014/main" id="{8688A619-A323-4AAB-9EBA-B76157353705}"/>
+              </a:ext>
+            </a:extLst>
+          </p:cNvPr>
+          <p:cNvSpPr>
+            <a:spLocks noGrp="1"/>
+          </p:cNvSpPr>
+          <p:nvPr>
+            <p:ph type="title"/>
+          </p:nvPr>
+        </p:nvSpPr>
+        <p:spPr/>
+        <p:txBody>
+          <a:bodyPr/>
+          <a:lstStyle/>
+          <a:p>
+            <a:r>
+              <a:rPr lang="en-IN" dirty="0"/>
+              <a:t>What was changed from proposal	</a:t>
+            </a:r>
+          </a:p>
+        </p:txBody>
+      </p:sp>
+      <p:sp>
+        <p:nvSpPr>
+          <p:cNvPr id="3" name="Content Placeholder 2">
+            <a:extLst>
+              <a:ext uri="{FF2B5EF4-FFF2-40B4-BE49-F238E27FC236}">
+                <a16:creationId xmlns:a16="http://schemas.microsoft.com/office/drawing/2014/main" id="{8F652845-7219-4319-9225-698750B69FCA}"/>
+              </a:ext>
+            </a:extLst>
+          </p:cNvPr>
+          <p:cNvSpPr>
+            <a:spLocks noGrp="1"/>
+          </p:cNvSpPr>
+          <p:nvPr>
+            <p:ph idx="1"/>
+          </p:nvPr>
+        </p:nvSpPr>
+        <p:spPr/>
+        <p:txBody>
+          <a:bodyPr/>
+          <a:lstStyle/>
+          <a:p>
+            <a:r>
+              <a:rPr lang="en-IN" dirty="0"/>
+              <a:t>We realised that Spark Doesn’t have out-of-the-box DynamoDB stream support</a:t>
+            </a:r>
+          </a:p>
+          <a:p>
+            <a:r>
+              <a:rPr lang="en-IN" dirty="0"/>
+              <a:t>We then built our own Stream Adapter for DynamoDB </a:t>
+            </a:r>
+            <a:r>
+              <a:rPr lang="en-IN" dirty="0">
+                <a:hlinkClick r:id="rId2"/>
+              </a:rPr>
+              <a:t>https://github.com/ravi72munde/spark-dynamo-stream-asl</a:t>
+            </a:r>
+            <a:endParaRPr lang="en-IN" dirty="0"/>
+          </a:p>
+          <a:p>
+            <a:r>
+              <a:rPr lang="en-IN" dirty="0"/>
+              <a:t>However, the models built using this spark streaming was updated real-time and didn’t account for </a:t>
+            </a:r>
+            <a:r>
+              <a:rPr lang="en-IN"/>
+              <a:t>daily variance. </a:t>
+            </a:r>
+            <a:endParaRPr lang="en-IN" dirty="0"/>
+          </a:p>
+          <a:p>
+            <a:r>
+              <a:rPr lang="en-IN" dirty="0"/>
+              <a:t>We found that an offline model gave better accuracy.</a:t>
+            </a:r>
+          </a:p>
+          <a:p>
+            <a:r>
+              <a:rPr lang="en-IN" dirty="0"/>
+              <a:t>Since Databricks went down for few days, we build two models on python which actually gave better accuracy.</a:t>
+            </a:r>
+          </a:p>
+        </p:txBody>
+      </p:sp>
+    </p:spTree>
+    <p:extLst>
+      <p:ext uri="{BB962C8B-B14F-4D97-AF65-F5344CB8AC3E}">
+        <p14:creationId xmlns:p14="http://schemas.microsoft.com/office/powerpoint/2010/main" val="855201108"/>
+      </p:ext>
+    </p:extLst>
+  </p:cSld>
+  <p:clrMapOvr>
+    <a:masterClrMapping/>
+  </p:clrMapOvr>
+</p:sld>
+</file>
+
+<file path=ppt/slides/slide17.xml><?xml version="1.0" encoding="utf-8"?>
 <p:sld xmlns:a="http://schemas.openxmlformats.org/drawingml/2006/main" xmlns:r="http://schemas.openxmlformats.org/officeDocument/2006/relationships" xmlns:p="http://schemas.openxmlformats.org/presentationml/2006/main">
   <p:cSld>
     <p:spTree>
